--- a/Курсовой проект/Презентация_Богомолов_П1-17.pptx
+++ b/Курсовой проект/Презентация_Богомолов_П1-17.pptx
@@ -300,7 +300,7 @@
           <a:p>
             <a:fld id="{A189E590-00EA-449B-BC3C-825600E2E76A}" type="datetimeFigureOut">
               <a:rPr lang="ru-RU" smtClean="0"/>
-              <a:t>22.06.2020</a:t>
+              <a:t>23.06.2020</a:t>
             </a:fld>
             <a:endParaRPr lang="ru-RU"/>
           </a:p>
@@ -575,7 +575,7 @@
           <a:p>
             <a:fld id="{A189E590-00EA-449B-BC3C-825600E2E76A}" type="datetimeFigureOut">
               <a:rPr lang="ru-RU" smtClean="0"/>
-              <a:t>22.06.2020</a:t>
+              <a:t>23.06.2020</a:t>
             </a:fld>
             <a:endParaRPr lang="ru-RU"/>
           </a:p>
@@ -769,7 +769,7 @@
           <a:p>
             <a:fld id="{A189E590-00EA-449B-BC3C-825600E2E76A}" type="datetimeFigureOut">
               <a:rPr lang="ru-RU" smtClean="0"/>
-              <a:t>22.06.2020</a:t>
+              <a:t>23.06.2020</a:t>
             </a:fld>
             <a:endParaRPr lang="ru-RU"/>
           </a:p>
@@ -1042,7 +1042,7 @@
           <a:p>
             <a:fld id="{A189E590-00EA-449B-BC3C-825600E2E76A}" type="datetimeFigureOut">
               <a:rPr lang="ru-RU" smtClean="0"/>
-              <a:t>22.06.2020</a:t>
+              <a:t>23.06.2020</a:t>
             </a:fld>
             <a:endParaRPr lang="ru-RU"/>
           </a:p>
@@ -1383,7 +1383,7 @@
           <a:p>
             <a:fld id="{A189E590-00EA-449B-BC3C-825600E2E76A}" type="datetimeFigureOut">
               <a:rPr lang="ru-RU" smtClean="0"/>
-              <a:t>22.06.2020</a:t>
+              <a:t>23.06.2020</a:t>
             </a:fld>
             <a:endParaRPr lang="ru-RU"/>
           </a:p>
@@ -2006,7 +2006,7 @@
           <a:p>
             <a:fld id="{A189E590-00EA-449B-BC3C-825600E2E76A}" type="datetimeFigureOut">
               <a:rPr lang="ru-RU" smtClean="0"/>
-              <a:t>22.06.2020</a:t>
+              <a:t>23.06.2020</a:t>
             </a:fld>
             <a:endParaRPr lang="ru-RU"/>
           </a:p>
@@ -2866,7 +2866,7 @@
           <a:p>
             <a:fld id="{A189E590-00EA-449B-BC3C-825600E2E76A}" type="datetimeFigureOut">
               <a:rPr lang="ru-RU" smtClean="0"/>
-              <a:t>22.06.2020</a:t>
+              <a:t>23.06.2020</a:t>
             </a:fld>
             <a:endParaRPr lang="ru-RU"/>
           </a:p>
@@ -3036,7 +3036,7 @@
           <a:p>
             <a:fld id="{A189E590-00EA-449B-BC3C-825600E2E76A}" type="datetimeFigureOut">
               <a:rPr lang="ru-RU" smtClean="0"/>
-              <a:t>22.06.2020</a:t>
+              <a:t>23.06.2020</a:t>
             </a:fld>
             <a:endParaRPr lang="ru-RU"/>
           </a:p>
@@ -3216,7 +3216,7 @@
           <a:p>
             <a:fld id="{A189E590-00EA-449B-BC3C-825600E2E76A}" type="datetimeFigureOut">
               <a:rPr lang="ru-RU" smtClean="0"/>
-              <a:t>22.06.2020</a:t>
+              <a:t>23.06.2020</a:t>
             </a:fld>
             <a:endParaRPr lang="ru-RU"/>
           </a:p>
@@ -3386,7 +3386,7 @@
           <a:p>
             <a:fld id="{A189E590-00EA-449B-BC3C-825600E2E76A}" type="datetimeFigureOut">
               <a:rPr lang="ru-RU" smtClean="0"/>
-              <a:t>22.06.2020</a:t>
+              <a:t>23.06.2020</a:t>
             </a:fld>
             <a:endParaRPr lang="ru-RU"/>
           </a:p>
@@ -3633,7 +3633,7 @@
           <a:p>
             <a:fld id="{A189E590-00EA-449B-BC3C-825600E2E76A}" type="datetimeFigureOut">
               <a:rPr lang="ru-RU" smtClean="0"/>
-              <a:t>22.06.2020</a:t>
+              <a:t>23.06.2020</a:t>
             </a:fld>
             <a:endParaRPr lang="ru-RU"/>
           </a:p>
@@ -3925,7 +3925,7 @@
           <a:p>
             <a:fld id="{A189E590-00EA-449B-BC3C-825600E2E76A}" type="datetimeFigureOut">
               <a:rPr lang="ru-RU" smtClean="0"/>
-              <a:t>22.06.2020</a:t>
+              <a:t>23.06.2020</a:t>
             </a:fld>
             <a:endParaRPr lang="ru-RU"/>
           </a:p>
@@ -4369,7 +4369,7 @@
           <a:p>
             <a:fld id="{A189E590-00EA-449B-BC3C-825600E2E76A}" type="datetimeFigureOut">
               <a:rPr lang="ru-RU" smtClean="0"/>
-              <a:t>22.06.2020</a:t>
+              <a:t>23.06.2020</a:t>
             </a:fld>
             <a:endParaRPr lang="ru-RU"/>
           </a:p>
@@ -4487,7 +4487,7 @@
           <a:p>
             <a:fld id="{A189E590-00EA-449B-BC3C-825600E2E76A}" type="datetimeFigureOut">
               <a:rPr lang="ru-RU" smtClean="0"/>
-              <a:t>22.06.2020</a:t>
+              <a:t>23.06.2020</a:t>
             </a:fld>
             <a:endParaRPr lang="ru-RU"/>
           </a:p>
@@ -4582,7 +4582,7 @@
           <a:p>
             <a:fld id="{A189E590-00EA-449B-BC3C-825600E2E76A}" type="datetimeFigureOut">
               <a:rPr lang="ru-RU" smtClean="0"/>
-              <a:t>22.06.2020</a:t>
+              <a:t>23.06.2020</a:t>
             </a:fld>
             <a:endParaRPr lang="ru-RU"/>
           </a:p>
@@ -4861,7 +4861,7 @@
           <a:p>
             <a:fld id="{A189E590-00EA-449B-BC3C-825600E2E76A}" type="datetimeFigureOut">
               <a:rPr lang="ru-RU" smtClean="0"/>
-              <a:t>22.06.2020</a:t>
+              <a:t>23.06.2020</a:t>
             </a:fld>
             <a:endParaRPr lang="ru-RU"/>
           </a:p>
@@ -5136,7 +5136,7 @@
           <a:p>
             <a:fld id="{A189E590-00EA-449B-BC3C-825600E2E76A}" type="datetimeFigureOut">
               <a:rPr lang="ru-RU" smtClean="0"/>
-              <a:t>22.06.2020</a:t>
+              <a:t>23.06.2020</a:t>
             </a:fld>
             <a:endParaRPr lang="ru-RU"/>
           </a:p>
@@ -5565,7 +5565,7 @@
           <a:p>
             <a:fld id="{A189E590-00EA-449B-BC3C-825600E2E76A}" type="datetimeFigureOut">
               <a:rPr lang="ru-RU" smtClean="0"/>
-              <a:t>22.06.2020</a:t>
+              <a:t>23.06.2020</a:t>
             </a:fld>
             <a:endParaRPr lang="ru-RU"/>
           </a:p>
@@ -6098,7 +6098,7 @@
           <p:cNvPr id="2" name="Заголовок 1">
             <a:extLst>
               <a:ext uri="{FF2B5EF4-FFF2-40B4-BE49-F238E27FC236}">
-                <a16:creationId xmlns="" xmlns:a16="http://schemas.microsoft.com/office/drawing/2014/main" id="{CB522487-023B-46CB-B18C-BF66D880844D}"/>
+                <a16:creationId xmlns:a16="http://schemas.microsoft.com/office/drawing/2014/main" xmlns="" id="{CB522487-023B-46CB-B18C-BF66D880844D}"/>
               </a:ext>
             </a:extLst>
           </p:cNvPr>
@@ -6154,7 +6154,7 @@
           <p:cNvPr id="3" name="Подзаголовок 2">
             <a:extLst>
               <a:ext uri="{FF2B5EF4-FFF2-40B4-BE49-F238E27FC236}">
-                <a16:creationId xmlns="" xmlns:a16="http://schemas.microsoft.com/office/drawing/2014/main" id="{AC071DA4-725E-4B67-877C-E172CE4027DC}"/>
+                <a16:creationId xmlns:a16="http://schemas.microsoft.com/office/drawing/2014/main" xmlns="" id="{AC071DA4-725E-4B67-877C-E172CE4027DC}"/>
               </a:ext>
             </a:extLst>
           </p:cNvPr>
@@ -6235,7 +6235,7 @@
           <p:cNvPr id="2" name="Заголовок 1">
             <a:extLst>
               <a:ext uri="{FF2B5EF4-FFF2-40B4-BE49-F238E27FC236}">
-                <a16:creationId xmlns="" xmlns:a16="http://schemas.microsoft.com/office/drawing/2014/main" id="{19D4D539-0835-450B-B64E-6A6ADA37346D}"/>
+                <a16:creationId xmlns:a16="http://schemas.microsoft.com/office/drawing/2014/main" xmlns="" id="{19D4D539-0835-450B-B64E-6A6ADA37346D}"/>
               </a:ext>
             </a:extLst>
           </p:cNvPr>
@@ -6263,7 +6263,7 @@
           <p:cNvPr id="3" name="Объект 2">
             <a:extLst>
               <a:ext uri="{FF2B5EF4-FFF2-40B4-BE49-F238E27FC236}">
-                <a16:creationId xmlns="" xmlns:a16="http://schemas.microsoft.com/office/drawing/2014/main" id="{E05C291C-F87F-4850-9A93-A0555C859B2E}"/>
+                <a16:creationId xmlns:a16="http://schemas.microsoft.com/office/drawing/2014/main" xmlns="" id="{E05C291C-F87F-4850-9A93-A0555C859B2E}"/>
               </a:ext>
             </a:extLst>
           </p:cNvPr>
@@ -6333,7 +6333,7 @@
           <p:cNvPr id="2" name="Заголовок 1">
             <a:extLst>
               <a:ext uri="{FF2B5EF4-FFF2-40B4-BE49-F238E27FC236}">
-                <a16:creationId xmlns="" xmlns:a16="http://schemas.microsoft.com/office/drawing/2014/main" id="{5AD4120F-AF78-4715-8C0A-3F1F08B01629}"/>
+                <a16:creationId xmlns:a16="http://schemas.microsoft.com/office/drawing/2014/main" xmlns="" id="{5AD4120F-AF78-4715-8C0A-3F1F08B01629}"/>
               </a:ext>
             </a:extLst>
           </p:cNvPr>
@@ -6380,7 +6380,7 @@
         </p:blipFill>
         <p:spPr>
           <a:xfrm>
-            <a:off x="1021706" y="1402080"/>
+            <a:off x="2314058" y="1438656"/>
             <a:ext cx="8032148" cy="4846320"/>
           </a:xfrm>
         </p:spPr>
@@ -6420,7 +6420,7 @@
           <p:cNvPr id="2" name="Заголовок 1">
             <a:extLst>
               <a:ext uri="{FF2B5EF4-FFF2-40B4-BE49-F238E27FC236}">
-                <a16:creationId xmlns="" xmlns:a16="http://schemas.microsoft.com/office/drawing/2014/main" id="{092CF44F-D37B-45B2-BCB1-1BBCF8323216}"/>
+                <a16:creationId xmlns:a16="http://schemas.microsoft.com/office/drawing/2014/main" xmlns="" id="{092CF44F-D37B-45B2-BCB1-1BBCF8323216}"/>
               </a:ext>
             </a:extLst>
           </p:cNvPr>
@@ -6445,7 +6445,7 @@
       </p:sp>
       <p:pic>
         <p:nvPicPr>
-          <p:cNvPr id="5" name="Объект 4"/>
+          <p:cNvPr id="4" name="Объект 3"/>
           <p:cNvPicPr>
             <a:picLocks noGrp="1" noChangeAspect="1"/>
           </p:cNvPicPr>
@@ -6467,8 +6467,8 @@
         </p:blipFill>
         <p:spPr>
           <a:xfrm>
-            <a:off x="4096512" y="1195033"/>
-            <a:ext cx="2816352" cy="5622683"/>
+            <a:off x="2438835" y="1633728"/>
+            <a:ext cx="7942653" cy="4152233"/>
           </a:xfrm>
         </p:spPr>
       </p:pic>
@@ -6507,7 +6507,7 @@
           <p:cNvPr id="2" name="Заголовок 1">
             <a:extLst>
               <a:ext uri="{FF2B5EF4-FFF2-40B4-BE49-F238E27FC236}">
-                <a16:creationId xmlns="" xmlns:a16="http://schemas.microsoft.com/office/drawing/2014/main" id="{A52F8C33-DED1-463C-B982-54F41194D2C2}"/>
+                <a16:creationId xmlns:a16="http://schemas.microsoft.com/office/drawing/2014/main" xmlns="" id="{A52F8C33-DED1-463C-B982-54F41194D2C2}"/>
               </a:ext>
             </a:extLst>
           </p:cNvPr>
@@ -6541,7 +6541,7 @@
       </p:sp>
       <p:pic>
         <p:nvPicPr>
-          <p:cNvPr id="4" name="Объект 3"/>
+          <p:cNvPr id="5" name="Объект 4"/>
           <p:cNvPicPr>
             <a:picLocks noGrp="1" noChangeAspect="1"/>
           </p:cNvPicPr>
@@ -6563,8 +6563,8 @@
         </p:blipFill>
         <p:spPr>
           <a:xfrm>
-            <a:off x="3084575" y="1131297"/>
-            <a:ext cx="4645153" cy="5627203"/>
+            <a:off x="748014" y="1499616"/>
+            <a:ext cx="10704529" cy="4658871"/>
           </a:xfrm>
         </p:spPr>
       </p:pic>
@@ -6617,13 +6617,12 @@
               <a:rPr lang="ru-RU" dirty="0"/>
               <a:t>Блок-схема главного модуля</a:t>
             </a:r>
-            <a:endParaRPr lang="ru-RU" dirty="0"/>
           </a:p>
         </p:txBody>
       </p:sp>
       <p:pic>
         <p:nvPicPr>
-          <p:cNvPr id="4" name="Объект 3"/>
+          <p:cNvPr id="5" name="Объект 4"/>
           <p:cNvPicPr>
             <a:picLocks noGrp="1" noChangeAspect="1"/>
           </p:cNvPicPr>
@@ -6632,7 +6631,7 @@
           </p:nvPr>
         </p:nvPicPr>
         <p:blipFill>
-          <a:blip r:embed="rId2" cstate="print">
+          <a:blip r:embed="rId2">
             <a:extLst>
               <a:ext uri="{28A0092B-C50C-407E-A947-70E740481C1C}">
                 <a14:useLocalDpi xmlns:a14="http://schemas.microsoft.com/office/drawing/2010/main" val="0"/>
@@ -6645,8 +6644,8 @@
         </p:blipFill>
         <p:spPr>
           <a:xfrm>
-            <a:off x="8863584" y="0"/>
-            <a:ext cx="2391606" cy="6888590"/>
+            <a:off x="1819335" y="1280160"/>
+            <a:ext cx="8410194" cy="5175504"/>
           </a:xfrm>
         </p:spPr>
       </p:pic>
@@ -6685,7 +6684,7 @@
           <p:cNvPr id="2" name="Заголовок 1">
             <a:extLst>
               <a:ext uri="{FF2B5EF4-FFF2-40B4-BE49-F238E27FC236}">
-                <a16:creationId xmlns="" xmlns:a16="http://schemas.microsoft.com/office/drawing/2014/main" id="{2CDCB423-5DBD-481D-8798-FD382175C368}"/>
+                <a16:creationId xmlns:a16="http://schemas.microsoft.com/office/drawing/2014/main" xmlns="" id="{2CDCB423-5DBD-481D-8798-FD382175C368}"/>
               </a:ext>
             </a:extLst>
           </p:cNvPr>
@@ -6732,7 +6731,7 @@
         </p:blipFill>
         <p:spPr>
           <a:xfrm>
-            <a:off x="1060704" y="1137452"/>
+            <a:off x="1975104" y="1137452"/>
             <a:ext cx="8375903" cy="5588160"/>
           </a:xfrm>
         </p:spPr>
@@ -6772,7 +6771,7 @@
           <p:cNvPr id="3" name="Объект 2">
             <a:extLst>
               <a:ext uri="{FF2B5EF4-FFF2-40B4-BE49-F238E27FC236}">
-                <a16:creationId xmlns="" xmlns:a16="http://schemas.microsoft.com/office/drawing/2014/main" id="{72AD9E7C-C386-4CA5-8200-2A5F26587DE3}"/>
+                <a16:creationId xmlns:a16="http://schemas.microsoft.com/office/drawing/2014/main" xmlns="" id="{72AD9E7C-C386-4CA5-8200-2A5F26587DE3}"/>
               </a:ext>
             </a:extLst>
           </p:cNvPr>
@@ -7078,7 +7077,7 @@
   <a:extraClrSchemeLst/>
   <a:extLst>
     <a:ext uri="{05A4C25C-085E-4340-85A3-A5531E510DB2}">
-      <thm15:themeFamily xmlns="" xmlns:thm15="http://schemas.microsoft.com/office/thememl/2012/main" name="Ion" id="{B8441ADB-2E43-4AF7-B97A-BD870242C6A8}" vid="{292E63A9-BB86-4E3D-B92A-7223C6510D2E}"/>
+      <thm15:themeFamily xmlns:thm15="http://schemas.microsoft.com/office/thememl/2012/main" xmlns="" name="Ion" id="{B8441ADB-2E43-4AF7-B97A-BD870242C6A8}" vid="{292E63A9-BB86-4E3D-B92A-7223C6510D2E}"/>
     </a:ext>
   </a:extLst>
 </a:theme>
